--- a/HelyzetJelentes20240313/p_HelyzetJelentesBruderNagy20240313.pptx
+++ b/HelyzetJelentes20240313/p_HelyzetJelentesBruderNagy20240313.pptx
@@ -8,6 +8,9 @@
     <p:sldId id="256" r:id="rId2"/>
     <p:sldId id="257" r:id="rId3"/>
     <p:sldId id="258" r:id="rId4"/>
+    <p:sldId id="259" r:id="rId5"/>
+    <p:sldId id="260" r:id="rId6"/>
+    <p:sldId id="261" r:id="rId7"/>
   </p:sldIdLst>
   <p:sldSz cx="12192000" cy="6858000"/>
   <p:notesSz cx="6858000" cy="9144000"/>
@@ -106,6 +109,11 @@
       </a:defRPr>
     </a:lvl9pPr>
   </p:defaultTextStyle>
+  <p:extLst>
+    <p:ext uri="{EFAFB233-063F-42B5-8137-9DF3F51BA10A}">
+      <p15:sldGuideLst xmlns:p15="http://schemas.microsoft.com/office/powerpoint/2012/main"/>
+    </p:ext>
+  </p:extLst>
 </p:presentation>
 </file>
 
@@ -258,7 +266,7 @@
           <a:p>
             <a:fld id="{7052EC7F-6D30-4444-84C5-52DC5CE75C47}" type="datetimeFigureOut">
               <a:rPr lang="en-US" smtClean="0"/>
-              <a:t>3/1/2024</a:t>
+              <a:t>3/12/2024</a:t>
             </a:fld>
             <a:endParaRPr lang="en-US"/>
           </a:p>
@@ -458,7 +466,7 @@
           <a:p>
             <a:fld id="{7052EC7F-6D30-4444-84C5-52DC5CE75C47}" type="datetimeFigureOut">
               <a:rPr lang="en-US" smtClean="0"/>
-              <a:t>3/1/2024</a:t>
+              <a:t>3/12/2024</a:t>
             </a:fld>
             <a:endParaRPr lang="en-US"/>
           </a:p>
@@ -668,7 +676,7 @@
           <a:p>
             <a:fld id="{7052EC7F-6D30-4444-84C5-52DC5CE75C47}" type="datetimeFigureOut">
               <a:rPr lang="en-US" smtClean="0"/>
-              <a:t>3/1/2024</a:t>
+              <a:t>3/12/2024</a:t>
             </a:fld>
             <a:endParaRPr lang="en-US"/>
           </a:p>
@@ -868,7 +876,7 @@
           <a:p>
             <a:fld id="{7052EC7F-6D30-4444-84C5-52DC5CE75C47}" type="datetimeFigureOut">
               <a:rPr lang="en-US" smtClean="0"/>
-              <a:t>3/1/2024</a:t>
+              <a:t>3/12/2024</a:t>
             </a:fld>
             <a:endParaRPr lang="en-US"/>
           </a:p>
@@ -1144,7 +1152,7 @@
           <a:p>
             <a:fld id="{7052EC7F-6D30-4444-84C5-52DC5CE75C47}" type="datetimeFigureOut">
               <a:rPr lang="en-US" smtClean="0"/>
-              <a:t>3/1/2024</a:t>
+              <a:t>3/12/2024</a:t>
             </a:fld>
             <a:endParaRPr lang="en-US"/>
           </a:p>
@@ -1412,7 +1420,7 @@
           <a:p>
             <a:fld id="{7052EC7F-6D30-4444-84C5-52DC5CE75C47}" type="datetimeFigureOut">
               <a:rPr lang="en-US" smtClean="0"/>
-              <a:t>3/1/2024</a:t>
+              <a:t>3/12/2024</a:t>
             </a:fld>
             <a:endParaRPr lang="en-US"/>
           </a:p>
@@ -1827,7 +1835,7 @@
           <a:p>
             <a:fld id="{7052EC7F-6D30-4444-84C5-52DC5CE75C47}" type="datetimeFigureOut">
               <a:rPr lang="en-US" smtClean="0"/>
-              <a:t>3/1/2024</a:t>
+              <a:t>3/12/2024</a:t>
             </a:fld>
             <a:endParaRPr lang="en-US"/>
           </a:p>
@@ -1969,7 +1977,7 @@
           <a:p>
             <a:fld id="{7052EC7F-6D30-4444-84C5-52DC5CE75C47}" type="datetimeFigureOut">
               <a:rPr lang="en-US" smtClean="0"/>
-              <a:t>3/1/2024</a:t>
+              <a:t>3/12/2024</a:t>
             </a:fld>
             <a:endParaRPr lang="en-US"/>
           </a:p>
@@ -2082,7 +2090,7 @@
           <a:p>
             <a:fld id="{7052EC7F-6D30-4444-84C5-52DC5CE75C47}" type="datetimeFigureOut">
               <a:rPr lang="en-US" smtClean="0"/>
-              <a:t>3/1/2024</a:t>
+              <a:t>3/12/2024</a:t>
             </a:fld>
             <a:endParaRPr lang="en-US"/>
           </a:p>
@@ -2395,7 +2403,7 @@
           <a:p>
             <a:fld id="{7052EC7F-6D30-4444-84C5-52DC5CE75C47}" type="datetimeFigureOut">
               <a:rPr lang="en-US" smtClean="0"/>
-              <a:t>3/1/2024</a:t>
+              <a:t>3/12/2024</a:t>
             </a:fld>
             <a:endParaRPr lang="en-US"/>
           </a:p>
@@ -2684,7 +2692,7 @@
           <a:p>
             <a:fld id="{7052EC7F-6D30-4444-84C5-52DC5CE75C47}" type="datetimeFigureOut">
               <a:rPr lang="en-US" smtClean="0"/>
-              <a:t>3/1/2024</a:t>
+              <a:t>3/12/2024</a:t>
             </a:fld>
             <a:endParaRPr lang="en-US"/>
           </a:p>
@@ -2769,7 +2777,7 @@
           </a:blip>
           <a:srcRect/>
           <a:stretch>
-            <a:fillRect/>
+            <a:fillRect l="4000"/>
           </a:stretch>
         </a:blipFill>
         <a:effectLst/>
@@ -2937,7 +2945,7 @@
           <a:p>
             <a:fld id="{7052EC7F-6D30-4444-84C5-52DC5CE75C47}" type="datetimeFigureOut">
               <a:rPr lang="en-US" smtClean="0"/>
-              <a:t>3/1/2024</a:t>
+              <a:t>3/12/2024</a:t>
             </a:fld>
             <a:endParaRPr lang="en-US"/>
           </a:p>
@@ -3634,6 +3642,10 @@
           <a:bodyPr/>
           <a:lstStyle/>
           <a:p>
+            <a:r>
+              <a:rPr lang="hu-HU" dirty="0"/>
+              <a:t>Mi valósult meg azóta?</a:t>
+            </a:r>
             <a:endParaRPr lang="en-US" dirty="0"/>
           </a:p>
         </p:txBody>
@@ -3659,7 +3671,23 @@
           <a:bodyPr/>
           <a:lstStyle/>
           <a:p>
-            <a:endParaRPr lang="en-US"/>
+            <a:r>
+              <a:rPr lang="hu-HU" dirty="0"/>
+              <a:t>Lett egy teljes dokumentáció (verseny)</a:t>
+            </a:r>
+          </a:p>
+          <a:p>
+            <a:r>
+              <a:rPr lang="hu-HU" dirty="0"/>
+              <a:t>A szerverek konfigurálva lettek, tesztelésre várnak</a:t>
+            </a:r>
+          </a:p>
+          <a:p>
+            <a:r>
+              <a:rPr lang="hu-HU" dirty="0"/>
+              <a:t>A hálózat tesztelés nélkül, de elérte a végleges állapotát.</a:t>
+            </a:r>
+            <a:endParaRPr lang="en-US" dirty="0"/>
           </a:p>
         </p:txBody>
       </p:sp>
@@ -3667,6 +3695,449 @@
     <p:extLst>
       <p:ext uri="{BB962C8B-B14F-4D97-AF65-F5344CB8AC3E}">
         <p14:creationId xmlns:p14="http://schemas.microsoft.com/office/powerpoint/2010/main" val="1480673977"/>
+      </p:ext>
+    </p:extLst>
+  </p:cSld>
+  <p:clrMapOvr>
+    <a:masterClrMapping/>
+  </p:clrMapOvr>
+</p:sld>
+</file>
+
+<file path=ppt/slides/slide4.xml><?xml version="1.0" encoding="utf-8"?>
+<p:sld xmlns:a="http://schemas.openxmlformats.org/drawingml/2006/main" xmlns:r="http://schemas.openxmlformats.org/officeDocument/2006/relationships" xmlns:p="http://schemas.openxmlformats.org/presentationml/2006/main">
+  <p:cSld>
+    <p:spTree>
+      <p:nvGrpSpPr>
+        <p:cNvPr id="1" name=""/>
+        <p:cNvGrpSpPr/>
+        <p:nvPr/>
+      </p:nvGrpSpPr>
+      <p:grpSpPr>
+        <a:xfrm>
+          <a:off x="0" y="0"/>
+          <a:ext cx="0" cy="0"/>
+          <a:chOff x="0" y="0"/>
+          <a:chExt cx="0" cy="0"/>
+        </a:xfrm>
+      </p:grpSpPr>
+      <p:sp>
+        <p:nvSpPr>
+          <p:cNvPr id="2" name="Cím 1">
+            <a:extLst>
+              <a:ext uri="{FF2B5EF4-FFF2-40B4-BE49-F238E27FC236}">
+                <a16:creationId xmlns:a16="http://schemas.microsoft.com/office/drawing/2014/main" id="{C2CE9BDB-81A0-BDF5-1CDB-3D62AA32935A}"/>
+              </a:ext>
+            </a:extLst>
+          </p:cNvPr>
+          <p:cNvSpPr>
+            <a:spLocks noGrp="1"/>
+          </p:cNvSpPr>
+          <p:nvPr>
+            <p:ph type="title"/>
+          </p:nvPr>
+        </p:nvSpPr>
+        <p:spPr/>
+        <p:txBody>
+          <a:bodyPr/>
+          <a:lstStyle/>
+          <a:p>
+            <a:r>
+              <a:rPr lang="hu-HU" dirty="0"/>
+              <a:t>„Új” Problémák</a:t>
+            </a:r>
+            <a:endParaRPr lang="en-US" dirty="0"/>
+          </a:p>
+        </p:txBody>
+      </p:sp>
+      <p:sp>
+        <p:nvSpPr>
+          <p:cNvPr id="3" name="Tartalom helye 2">
+            <a:extLst>
+              <a:ext uri="{FF2B5EF4-FFF2-40B4-BE49-F238E27FC236}">
+                <a16:creationId xmlns:a16="http://schemas.microsoft.com/office/drawing/2014/main" id="{BBF5F779-D3D6-A1A0-AA38-7330F9B0A112}"/>
+              </a:ext>
+            </a:extLst>
+          </p:cNvPr>
+          <p:cNvSpPr>
+            <a:spLocks noGrp="1"/>
+          </p:cNvSpPr>
+          <p:nvPr>
+            <p:ph idx="1"/>
+          </p:nvPr>
+        </p:nvSpPr>
+        <p:spPr/>
+        <p:txBody>
+          <a:bodyPr/>
+          <a:lstStyle/>
+          <a:p>
+            <a:r>
+              <a:rPr lang="hu-HU" dirty="0"/>
+              <a:t>IP tartomány ütközés (192.168.100.x)</a:t>
+            </a:r>
+          </a:p>
+          <a:p>
+            <a:r>
+              <a:rPr lang="hu-HU" dirty="0"/>
+              <a:t>Eszközök képességeinek limitáltsága</a:t>
+            </a:r>
+          </a:p>
+          <a:p>
+            <a:pPr lvl="1"/>
+            <a:r>
+              <a:rPr lang="hu-HU" dirty="0"/>
+              <a:t>VPN</a:t>
+            </a:r>
+          </a:p>
+          <a:p>
+            <a:pPr lvl="1"/>
+            <a:r>
+              <a:rPr lang="hu-HU" dirty="0"/>
+              <a:t>Portok száma</a:t>
+            </a:r>
+          </a:p>
+          <a:p>
+            <a:r>
+              <a:rPr lang="hu-HU" dirty="0" err="1"/>
+              <a:t>Packet</a:t>
+            </a:r>
+            <a:r>
+              <a:rPr lang="hu-HU" dirty="0"/>
+              <a:t> </a:t>
+            </a:r>
+            <a:r>
+              <a:rPr lang="hu-HU" dirty="0" err="1"/>
+              <a:t>Tracer</a:t>
+            </a:r>
+            <a:r>
+              <a:rPr lang="hu-HU" dirty="0"/>
+              <a:t> is hiányos (GRE átengedés ASA-n)</a:t>
+            </a:r>
+          </a:p>
+          <a:p>
+            <a:r>
+              <a:rPr lang="hu-HU" dirty="0"/>
+              <a:t>Több szolgáltatói kapcsolat</a:t>
+            </a:r>
+          </a:p>
+          <a:p>
+            <a:endParaRPr lang="hu-HU" dirty="0"/>
+          </a:p>
+        </p:txBody>
+      </p:sp>
+    </p:spTree>
+    <p:extLst>
+      <p:ext uri="{BB962C8B-B14F-4D97-AF65-F5344CB8AC3E}">
+        <p14:creationId xmlns:p14="http://schemas.microsoft.com/office/powerpoint/2010/main" val="1001409833"/>
+      </p:ext>
+    </p:extLst>
+  </p:cSld>
+  <p:clrMapOvr>
+    <a:masterClrMapping/>
+  </p:clrMapOvr>
+</p:sld>
+</file>
+
+<file path=ppt/slides/slide5.xml><?xml version="1.0" encoding="utf-8"?>
+<p:sld xmlns:a="http://schemas.openxmlformats.org/drawingml/2006/main" xmlns:r="http://schemas.openxmlformats.org/officeDocument/2006/relationships" xmlns:p="http://schemas.openxmlformats.org/presentationml/2006/main">
+  <p:cSld>
+    <p:spTree>
+      <p:nvGrpSpPr>
+        <p:cNvPr id="1" name=""/>
+        <p:cNvGrpSpPr/>
+        <p:nvPr/>
+      </p:nvGrpSpPr>
+      <p:grpSpPr>
+        <a:xfrm>
+          <a:off x="0" y="0"/>
+          <a:ext cx="0" cy="0"/>
+          <a:chOff x="0" y="0"/>
+          <a:chExt cx="0" cy="0"/>
+        </a:xfrm>
+      </p:grpSpPr>
+      <p:sp>
+        <p:nvSpPr>
+          <p:cNvPr id="2" name="Cím 1">
+            <a:extLst>
+              <a:ext uri="{FF2B5EF4-FFF2-40B4-BE49-F238E27FC236}">
+                <a16:creationId xmlns:a16="http://schemas.microsoft.com/office/drawing/2014/main" id="{B5F2578B-B8A5-3CD2-370C-8156C112597D}"/>
+              </a:ext>
+            </a:extLst>
+          </p:cNvPr>
+          <p:cNvSpPr>
+            <a:spLocks noGrp="1"/>
+          </p:cNvSpPr>
+          <p:nvPr>
+            <p:ph type="title"/>
+          </p:nvPr>
+        </p:nvSpPr>
+        <p:spPr/>
+        <p:txBody>
+          <a:bodyPr/>
+          <a:lstStyle/>
+          <a:p>
+            <a:r>
+              <a:rPr lang="hu-HU" dirty="0"/>
+              <a:t>Szervereink</a:t>
+            </a:r>
+            <a:endParaRPr lang="en-US" dirty="0"/>
+          </a:p>
+        </p:txBody>
+      </p:sp>
+      <p:sp>
+        <p:nvSpPr>
+          <p:cNvPr id="3" name="Tartalom helye 2">
+            <a:extLst>
+              <a:ext uri="{FF2B5EF4-FFF2-40B4-BE49-F238E27FC236}">
+                <a16:creationId xmlns:a16="http://schemas.microsoft.com/office/drawing/2014/main" id="{A9689FF2-6817-8E98-A701-EABA5EFB9015}"/>
+              </a:ext>
+            </a:extLst>
+          </p:cNvPr>
+          <p:cNvSpPr>
+            <a:spLocks noGrp="1"/>
+          </p:cNvSpPr>
+          <p:nvPr>
+            <p:ph sz="half" idx="1"/>
+          </p:nvPr>
+        </p:nvSpPr>
+        <p:spPr/>
+        <p:txBody>
+          <a:bodyPr/>
+          <a:lstStyle/>
+          <a:p>
+            <a:r>
+              <a:rPr lang="hu-HU" dirty="0"/>
+              <a:t>Windows Server 2019</a:t>
+            </a:r>
+          </a:p>
+          <a:p>
+            <a:pPr lvl="1"/>
+            <a:r>
+              <a:rPr lang="hu-HU" dirty="0"/>
+              <a:t>Szolgáltatások:</a:t>
+            </a:r>
+          </a:p>
+          <a:p>
+            <a:pPr lvl="2"/>
+            <a:r>
+              <a:rPr lang="hu-HU" sz="2400" dirty="0" err="1"/>
+              <a:t>Active</a:t>
+            </a:r>
+            <a:r>
+              <a:rPr lang="hu-HU" sz="2400" dirty="0"/>
+              <a:t> </a:t>
+            </a:r>
+            <a:r>
+              <a:rPr lang="hu-HU" sz="2400" dirty="0" err="1"/>
+              <a:t>Directory</a:t>
+            </a:r>
+            <a:endParaRPr lang="hu-HU" sz="2400" dirty="0"/>
+          </a:p>
+          <a:p>
+            <a:pPr lvl="2"/>
+            <a:r>
+              <a:rPr lang="hu-HU" sz="2400" dirty="0"/>
+              <a:t>DHCP, DNS</a:t>
+            </a:r>
+          </a:p>
+          <a:p>
+            <a:pPr lvl="2"/>
+            <a:r>
+              <a:rPr lang="hu-HU" sz="2400" dirty="0"/>
+              <a:t>Fájlmegosztás</a:t>
+            </a:r>
+          </a:p>
+          <a:p>
+            <a:pPr lvl="2"/>
+            <a:r>
+              <a:rPr lang="hu-HU" sz="2400" dirty="0"/>
+              <a:t>Biztonsági mentés</a:t>
+            </a:r>
+          </a:p>
+        </p:txBody>
+      </p:sp>
+      <p:sp>
+        <p:nvSpPr>
+          <p:cNvPr id="4" name="Tartalom helye 3">
+            <a:extLst>
+              <a:ext uri="{FF2B5EF4-FFF2-40B4-BE49-F238E27FC236}">
+                <a16:creationId xmlns:a16="http://schemas.microsoft.com/office/drawing/2014/main" id="{BCF3DD7B-44DD-9C82-11FB-F05DB23A3B97}"/>
+              </a:ext>
+            </a:extLst>
+          </p:cNvPr>
+          <p:cNvSpPr>
+            <a:spLocks noGrp="1"/>
+          </p:cNvSpPr>
+          <p:nvPr>
+            <p:ph sz="half" idx="2"/>
+          </p:nvPr>
+        </p:nvSpPr>
+        <p:spPr/>
+        <p:txBody>
+          <a:bodyPr/>
+          <a:lstStyle/>
+          <a:p>
+            <a:r>
+              <a:rPr lang="hu-HU" dirty="0"/>
+              <a:t>Debian 12.5.0</a:t>
+            </a:r>
+          </a:p>
+          <a:p>
+            <a:pPr lvl="1"/>
+            <a:r>
+              <a:rPr lang="hu-HU" dirty="0"/>
+              <a:t>Szolgáltatások: </a:t>
+            </a:r>
+          </a:p>
+          <a:p>
+            <a:pPr lvl="2"/>
+            <a:r>
+              <a:rPr lang="hu-HU" sz="2400" dirty="0"/>
+              <a:t>Web, adatbázis, </a:t>
+            </a:r>
+            <a:r>
+              <a:rPr lang="hu-HU" sz="2400" dirty="0" err="1"/>
+              <a:t>Cockpit</a:t>
+            </a:r>
+            <a:endParaRPr lang="hu-HU" sz="2400" dirty="0"/>
+          </a:p>
+          <a:p>
+            <a:pPr lvl="2"/>
+            <a:r>
+              <a:rPr lang="hu-HU" sz="2400" dirty="0"/>
+              <a:t>Log szerver, NTP, FTP, </a:t>
+            </a:r>
+            <a:r>
+              <a:rPr lang="hu-HU" sz="2400" dirty="0" err="1"/>
+              <a:t>Radius</a:t>
+            </a:r>
+            <a:endParaRPr lang="hu-HU" sz="2400" dirty="0"/>
+          </a:p>
+          <a:p>
+            <a:pPr lvl="2"/>
+            <a:r>
+              <a:rPr lang="hu-HU" sz="2400" dirty="0"/>
+              <a:t>Tűzfal, SSH</a:t>
+            </a:r>
+          </a:p>
+          <a:p>
+            <a:pPr lvl="1"/>
+            <a:endParaRPr lang="hu-HU" dirty="0"/>
+          </a:p>
+          <a:p>
+            <a:pPr lvl="1"/>
+            <a:endParaRPr lang="en-US" dirty="0"/>
+          </a:p>
+        </p:txBody>
+      </p:sp>
+    </p:spTree>
+    <p:extLst>
+      <p:ext uri="{BB962C8B-B14F-4D97-AF65-F5344CB8AC3E}">
+        <p14:creationId xmlns:p14="http://schemas.microsoft.com/office/powerpoint/2010/main" val="88404578"/>
+      </p:ext>
+    </p:extLst>
+  </p:cSld>
+  <p:clrMapOvr>
+    <a:masterClrMapping/>
+  </p:clrMapOvr>
+</p:sld>
+</file>
+
+<file path=ppt/slides/slide6.xml><?xml version="1.0" encoding="utf-8"?>
+<p:sld xmlns:a="http://schemas.openxmlformats.org/drawingml/2006/main" xmlns:r="http://schemas.openxmlformats.org/officeDocument/2006/relationships" xmlns:p="http://schemas.openxmlformats.org/presentationml/2006/main">
+  <p:cSld>
+    <p:spTree>
+      <p:nvGrpSpPr>
+        <p:cNvPr id="1" name=""/>
+        <p:cNvGrpSpPr/>
+        <p:nvPr/>
+      </p:nvGrpSpPr>
+      <p:grpSpPr>
+        <a:xfrm>
+          <a:off x="0" y="0"/>
+          <a:ext cx="0" cy="0"/>
+          <a:chOff x="0" y="0"/>
+          <a:chExt cx="0" cy="0"/>
+        </a:xfrm>
+      </p:grpSpPr>
+      <p:sp>
+        <p:nvSpPr>
+          <p:cNvPr id="5" name="Cím 4">
+            <a:extLst>
+              <a:ext uri="{FF2B5EF4-FFF2-40B4-BE49-F238E27FC236}">
+                <a16:creationId xmlns:a16="http://schemas.microsoft.com/office/drawing/2014/main" id="{6AFF1FA6-51F4-D262-B2E7-614DA595D6D2}"/>
+              </a:ext>
+            </a:extLst>
+          </p:cNvPr>
+          <p:cNvSpPr>
+            <a:spLocks noGrp="1"/>
+          </p:cNvSpPr>
+          <p:nvPr>
+            <p:ph type="ctrTitle"/>
+          </p:nvPr>
+        </p:nvSpPr>
+        <p:spPr/>
+        <p:txBody>
+          <a:bodyPr/>
+          <a:lstStyle/>
+          <a:p>
+            <a:r>
+              <a:rPr lang="hu-HU" dirty="0"/>
+              <a:t>Köszönjük a figyelmet!</a:t>
+            </a:r>
+            <a:endParaRPr lang="en-US" dirty="0"/>
+          </a:p>
+        </p:txBody>
+      </p:sp>
+      <p:sp>
+        <p:nvSpPr>
+          <p:cNvPr id="6" name="Alcím 5">
+            <a:extLst>
+              <a:ext uri="{FF2B5EF4-FFF2-40B4-BE49-F238E27FC236}">
+                <a16:creationId xmlns:a16="http://schemas.microsoft.com/office/drawing/2014/main" id="{E7355BA3-D0A1-9026-05E4-09BBE037707D}"/>
+              </a:ext>
+            </a:extLst>
+          </p:cNvPr>
+          <p:cNvSpPr>
+            <a:spLocks noGrp="1"/>
+          </p:cNvSpPr>
+          <p:nvPr>
+            <p:ph type="subTitle" idx="1"/>
+          </p:nvPr>
+        </p:nvSpPr>
+        <p:spPr/>
+        <p:txBody>
+          <a:bodyPr/>
+          <a:lstStyle/>
+          <a:p>
+            <a:r>
+              <a:rPr lang="hu-HU" dirty="0"/>
+              <a:t>készítette: </a:t>
+            </a:r>
+            <a:r>
+              <a:rPr lang="hu-HU" b="1" dirty="0" err="1"/>
+              <a:t>Bruder</a:t>
+            </a:r>
+            <a:r>
+              <a:rPr lang="hu-HU" b="1" dirty="0"/>
+              <a:t> György </a:t>
+            </a:r>
+            <a:r>
+              <a:rPr lang="hu-HU" dirty="0"/>
+              <a:t>és </a:t>
+            </a:r>
+            <a:r>
+              <a:rPr lang="hu-HU" b="1" dirty="0"/>
+              <a:t>Nagy István</a:t>
+            </a:r>
+            <a:endParaRPr lang="en-US" dirty="0"/>
+          </a:p>
+        </p:txBody>
+      </p:sp>
+    </p:spTree>
+    <p:extLst>
+      <p:ext uri="{BB962C8B-B14F-4D97-AF65-F5344CB8AC3E}">
+        <p14:creationId xmlns:p14="http://schemas.microsoft.com/office/powerpoint/2010/main" val="1676719971"/>
       </p:ext>
     </p:extLst>
   </p:cSld>
